--- a/Graduation_Document/기획발표/생존자인줄 알았던 내가 알고보니 술래_박동규_김우빈_황석주_1 - 복사본.pptx
+++ b/Graduation_Document/기획발표/생존자인줄 알았던 내가 알고보니 술래_박동규_김우빈_황석주_1 - 복사본.pptx
@@ -234,7 +234,7 @@
           <a:p>
             <a:fld id="{C405262D-9A33-490D-AFB5-364B278FF2C3}" type="datetimeFigureOut">
               <a:rPr lang="ko-KR" altLang="en-US" smtClean="0"/>
-              <a:t>2022-12-25</a:t>
+              <a:t>2023-07-20</a:t>
             </a:fld>
             <a:endParaRPr lang="ko-KR" altLang="en-US"/>
           </a:p>
@@ -3797,7 +3797,7 @@
           <a:p>
             <a:fld id="{99B5A1BB-01A0-4E13-AB60-2010C482C94A}" type="datetime1">
               <a:rPr lang="ko-KR" altLang="en-US" smtClean="0"/>
-              <a:t>2022-12-25</a:t>
+              <a:t>2023-07-20</a:t>
             </a:fld>
             <a:endParaRPr lang="ko-KR" altLang="en-US"/>
           </a:p>
@@ -3977,7 +3977,7 @@
           <a:p>
             <a:fld id="{3626A138-43F2-4459-87AF-C7DC2AFC11E6}" type="datetime1">
               <a:rPr lang="ko-KR" altLang="en-US" smtClean="0"/>
-              <a:t>2022-12-25</a:t>
+              <a:t>2023-07-20</a:t>
             </a:fld>
             <a:endParaRPr lang="ko-KR" altLang="en-US"/>
           </a:p>
@@ -4167,7 +4167,7 @@
           <a:p>
             <a:fld id="{020A87C7-16FD-4042-AA89-3405290F2952}" type="datetime1">
               <a:rPr lang="ko-KR" altLang="en-US" smtClean="0"/>
-              <a:t>2022-12-25</a:t>
+              <a:t>2023-07-20</a:t>
             </a:fld>
             <a:endParaRPr lang="ko-KR" altLang="en-US"/>
           </a:p>
@@ -4347,7 +4347,7 @@
           <a:p>
             <a:fld id="{22BDC9FE-EE5C-4EE2-A735-5991D188CC45}" type="datetime1">
               <a:rPr lang="ko-KR" altLang="en-US" smtClean="0"/>
-              <a:t>2022-12-25</a:t>
+              <a:t>2023-07-20</a:t>
             </a:fld>
             <a:endParaRPr lang="ko-KR" altLang="en-US"/>
           </a:p>
@@ -4604,7 +4604,7 @@
           <a:p>
             <a:fld id="{47020049-8D63-4421-A943-35CFDFC29001}" type="datetime1">
               <a:rPr lang="ko-KR" altLang="en-US" smtClean="0"/>
-              <a:t>2022-12-25</a:t>
+              <a:t>2023-07-20</a:t>
             </a:fld>
             <a:endParaRPr lang="ko-KR" altLang="en-US"/>
           </a:p>
@@ -4845,7 +4845,7 @@
           <a:p>
             <a:fld id="{B2F2C417-FA3B-47DB-8CB2-8AF2B1819A1F}" type="datetime1">
               <a:rPr lang="ko-KR" altLang="en-US" smtClean="0"/>
-              <a:t>2022-12-25</a:t>
+              <a:t>2023-07-20</a:t>
             </a:fld>
             <a:endParaRPr lang="ko-KR" altLang="en-US"/>
           </a:p>
@@ -5221,7 +5221,7 @@
           <a:p>
             <a:fld id="{89581AA9-EAC1-4AA1-A928-03B2B66DC095}" type="datetime1">
               <a:rPr lang="ko-KR" altLang="en-US" smtClean="0"/>
-              <a:t>2022-12-25</a:t>
+              <a:t>2023-07-20</a:t>
             </a:fld>
             <a:endParaRPr lang="ko-KR" altLang="en-US"/>
           </a:p>
@@ -5350,7 +5350,7 @@
           <a:p>
             <a:fld id="{B3DF8867-D19B-4012-B99D-21AE89F20BDE}" type="datetime1">
               <a:rPr lang="ko-KR" altLang="en-US" smtClean="0"/>
-              <a:t>2022-12-25</a:t>
+              <a:t>2023-07-20</a:t>
             </a:fld>
             <a:endParaRPr lang="ko-KR" altLang="en-US"/>
           </a:p>
@@ -5457,7 +5457,7 @@
           <a:p>
             <a:fld id="{429D6B8F-C401-418C-B4AF-5BA2889D52D8}" type="datetime1">
               <a:rPr lang="ko-KR" altLang="en-US" smtClean="0"/>
-              <a:t>2022-12-25</a:t>
+              <a:t>2023-07-20</a:t>
             </a:fld>
             <a:endParaRPr lang="ko-KR" altLang="en-US"/>
           </a:p>
@@ -5744,7 +5744,7 @@
           <a:p>
             <a:fld id="{917D37D1-B9DE-4AE8-A483-453A3E03C152}" type="datetime1">
               <a:rPr lang="ko-KR" altLang="en-US" smtClean="0"/>
-              <a:t>2022-12-25</a:t>
+              <a:t>2023-07-20</a:t>
             </a:fld>
             <a:endParaRPr lang="ko-KR" altLang="en-US"/>
           </a:p>
@@ -6008,7 +6008,7 @@
           <a:p>
             <a:fld id="{9F8E9D1C-8873-4006-A4C2-C33A2E30CA49}" type="datetime1">
               <a:rPr lang="ko-KR" altLang="en-US" smtClean="0"/>
-              <a:t>2022-12-25</a:t>
+              <a:t>2023-07-20</a:t>
             </a:fld>
             <a:endParaRPr lang="ko-KR" altLang="en-US"/>
           </a:p>
@@ -6231,7 +6231,7 @@
           <a:p>
             <a:fld id="{B8CDD5A3-E935-400C-8A47-51830BB4751B}" type="datetime1">
               <a:rPr lang="ko-KR" altLang="en-US" smtClean="0"/>
-              <a:t>2022-12-25</a:t>
+              <a:t>2023-07-20</a:t>
             </a:fld>
             <a:endParaRPr lang="ko-KR" altLang="en-US"/>
           </a:p>
